--- a/convex_hull_presentation_refined.pptx
+++ b/convex_hull_presentation_refined.pptx
@@ -147,7 +147,7 @@
   <pc:docChgLst>
     <pc:chgData name="Makenna Worley" userId="0027d683efa876b5" providerId="LiveId" clId="{B002D312-8F4D-F449-82D1-D52DD81DFEEA}"/>
     <pc:docChg chg="undo custSel addSld delSld modSld sldOrd">
-      <pc:chgData name="Makenna Worley" userId="0027d683efa876b5" providerId="LiveId" clId="{B002D312-8F4D-F449-82D1-D52DD81DFEEA}" dt="2024-12-10T04:11:38.059" v="2033" actId="1076"/>
+      <pc:chgData name="Makenna Worley" userId="0027d683efa876b5" providerId="LiveId" clId="{B002D312-8F4D-F449-82D1-D52DD81DFEEA}" dt="2024-12-11T03:36:20.960" v="2141" actId="20577"/>
       <pc:docMkLst>
         <pc:docMk/>
       </pc:docMkLst>
@@ -236,14 +236,6 @@
           <pc:docMk/>
           <pc:sldMk cId="0" sldId="257"/>
         </pc:sldMkLst>
-        <pc:spChg chg="mod">
-          <ac:chgData name="Makenna Worley" userId="0027d683efa876b5" providerId="LiveId" clId="{B002D312-8F4D-F449-82D1-D52DD81DFEEA}" dt="2024-12-09T18:11:45.350" v="123" actId="20577"/>
-          <ac:spMkLst>
-            <pc:docMk/>
-            <pc:sldMk cId="0" sldId="257"/>
-            <ac:spMk id="3" creationId="{00000000-0000-0000-0000-000000000000}"/>
-          </ac:spMkLst>
-        </pc:spChg>
       </pc:sldChg>
       <pc:sldChg chg="addSp delSp modSp mod setBg">
         <pc:chgData name="Makenna Worley" userId="0027d683efa876b5" providerId="LiveId" clId="{B002D312-8F4D-F449-82D1-D52DD81DFEEA}" dt="2024-12-10T04:01:37.724" v="1940" actId="12100"/>
@@ -585,7 +577,7 @@
         </pc:spChg>
       </pc:sldChg>
       <pc:sldChg chg="addSp delSp modSp new mod ord setBg setClrOvrMap">
-        <pc:chgData name="Makenna Worley" userId="0027d683efa876b5" providerId="LiveId" clId="{B002D312-8F4D-F449-82D1-D52DD81DFEEA}" dt="2024-12-10T03:56:53.930" v="1901" actId="14100"/>
+        <pc:chgData name="Makenna Worley" userId="0027d683efa876b5" providerId="LiveId" clId="{B002D312-8F4D-F449-82D1-D52DD81DFEEA}" dt="2024-12-11T03:36:20.960" v="2141" actId="20577"/>
         <pc:sldMkLst>
           <pc:docMk/>
           <pc:sldMk cId="2550640258" sldId="263"/>
@@ -598,56 +590,8 @@
             <ac:spMk id="2" creationId="{92E48878-58E8-77FE-3083-48A2B631848D}"/>
           </ac:spMkLst>
         </pc:spChg>
-        <pc:spChg chg="del">
-          <ac:chgData name="Makenna Worley" userId="0027d683efa876b5" providerId="LiveId" clId="{B002D312-8F4D-F449-82D1-D52DD81DFEEA}" dt="2024-12-09T18:26:54.229" v="906"/>
-          <ac:spMkLst>
-            <pc:docMk/>
-            <pc:sldMk cId="2550640258" sldId="263"/>
-            <ac:spMk id="3" creationId="{4560F084-946B-A776-9D6F-FAFC115E8427}"/>
-          </ac:spMkLst>
-        </pc:spChg>
-        <pc:spChg chg="add del mod ord">
-          <ac:chgData name="Makenna Worley" userId="0027d683efa876b5" providerId="LiveId" clId="{B002D312-8F4D-F449-82D1-D52DD81DFEEA}" dt="2024-12-09T19:55:57.454" v="935" actId="26606"/>
-          <ac:spMkLst>
-            <pc:docMk/>
-            <pc:sldMk cId="2550640258" sldId="263"/>
-            <ac:spMk id="15" creationId="{DF02E20A-72E6-89F3-04ED-2FED386CD428}"/>
-          </ac:spMkLst>
-        </pc:spChg>
         <pc:spChg chg="add del mod">
-          <ac:chgData name="Makenna Worley" userId="0027d683efa876b5" providerId="LiveId" clId="{B002D312-8F4D-F449-82D1-D52DD81DFEEA}" dt="2024-12-09T21:15:57.216" v="969"/>
-          <ac:spMkLst>
-            <pc:docMk/>
-            <pc:sldMk cId="2550640258" sldId="263"/>
-            <ac:spMk id="17" creationId="{51B32B2A-47FB-8A70-329E-FD5050FD3492}"/>
-          </ac:spMkLst>
-        </pc:spChg>
-        <pc:spChg chg="add del">
-          <ac:chgData name="Makenna Worley" userId="0027d683efa876b5" providerId="LiveId" clId="{B002D312-8F4D-F449-82D1-D52DD81DFEEA}" dt="2024-12-09T19:55:57.454" v="935" actId="26606"/>
-          <ac:spMkLst>
-            <pc:docMk/>
-            <pc:sldMk cId="2550640258" sldId="263"/>
-            <ac:spMk id="18" creationId="{AD96FDFD-4E42-4A06-B8B5-768A1DB9C2A9}"/>
-          </ac:spMkLst>
-        </pc:spChg>
-        <pc:spChg chg="add del">
-          <ac:chgData name="Makenna Worley" userId="0027d683efa876b5" providerId="LiveId" clId="{B002D312-8F4D-F449-82D1-D52DD81DFEEA}" dt="2024-12-09T19:55:56.124" v="933" actId="26606"/>
-          <ac:spMkLst>
-            <pc:docMk/>
-            <pc:sldMk cId="2550640258" sldId="263"/>
-            <ac:spMk id="23" creationId="{6113EC7C-368D-469A-9B5C-F3555B088E66}"/>
-          </ac:spMkLst>
-        </pc:spChg>
-        <pc:spChg chg="add del mod">
-          <ac:chgData name="Makenna Worley" userId="0027d683efa876b5" providerId="LiveId" clId="{B002D312-8F4D-F449-82D1-D52DD81DFEEA}" dt="2024-12-09T21:16:18.855" v="995"/>
-          <ac:spMkLst>
-            <pc:docMk/>
-            <pc:sldMk cId="2550640258" sldId="263"/>
-            <ac:spMk id="30" creationId="{ACBA1F62-0861-7581-AC38-455291C1360F}"/>
-          </ac:spMkLst>
-        </pc:spChg>
-        <pc:spChg chg="add del mod">
-          <ac:chgData name="Makenna Worley" userId="0027d683efa876b5" providerId="LiveId" clId="{B002D312-8F4D-F449-82D1-D52DD81DFEEA}" dt="2024-12-10T03:56:37.635" v="1899" actId="26606"/>
+          <ac:chgData name="Makenna Worley" userId="0027d683efa876b5" providerId="LiveId" clId="{B002D312-8F4D-F449-82D1-D52DD81DFEEA}" dt="2024-12-11T03:36:20.960" v="2141" actId="20577"/>
           <ac:spMkLst>
             <pc:docMk/>
             <pc:sldMk cId="2550640258" sldId="263"/>
@@ -670,142 +614,6 @@
             <ac:spMk id="46" creationId="{0059B5C0-FEC8-4370-AF45-02E3AEF6FA6D}"/>
           </ac:spMkLst>
         </pc:spChg>
-        <pc:spChg chg="add del">
-          <ac:chgData name="Makenna Worley" userId="0027d683efa876b5" providerId="LiveId" clId="{B002D312-8F4D-F449-82D1-D52DD81DFEEA}" dt="2024-12-09T21:17:50.909" v="1027" actId="26606"/>
-          <ac:spMkLst>
-            <pc:docMk/>
-            <pc:sldMk cId="2550640258" sldId="263"/>
-            <ac:spMk id="48" creationId="{07977D39-626F-40D7-B00F-16E02602DD5A}"/>
-          </ac:spMkLst>
-        </pc:spChg>
-        <pc:spChg chg="add del">
-          <ac:chgData name="Makenna Worley" userId="0027d683efa876b5" providerId="LiveId" clId="{B002D312-8F4D-F449-82D1-D52DD81DFEEA}" dt="2024-12-09T21:17:50.909" v="1027" actId="26606"/>
-          <ac:spMkLst>
-            <pc:docMk/>
-            <pc:sldMk cId="2550640258" sldId="263"/>
-            <ac:spMk id="50" creationId="{B905CDE4-B751-4B3E-B625-6E59F8903414}"/>
-          </ac:spMkLst>
-        </pc:spChg>
-        <pc:spChg chg="add del">
-          <ac:chgData name="Makenna Worley" userId="0027d683efa876b5" providerId="LiveId" clId="{B002D312-8F4D-F449-82D1-D52DD81DFEEA}" dt="2024-12-09T21:17:50.909" v="1027" actId="26606"/>
-          <ac:spMkLst>
-            <pc:docMk/>
-            <pc:sldMk cId="2550640258" sldId="263"/>
-            <ac:spMk id="52" creationId="{08108C16-F4C0-44AA-999D-17BD39219B24}"/>
-          </ac:spMkLst>
-        </pc:spChg>
-        <pc:spChg chg="add del">
-          <ac:chgData name="Makenna Worley" userId="0027d683efa876b5" providerId="LiveId" clId="{B002D312-8F4D-F449-82D1-D52DD81DFEEA}" dt="2024-12-09T21:17:50.909" v="1027" actId="26606"/>
-          <ac:spMkLst>
-            <pc:docMk/>
-            <pc:sldMk cId="2550640258" sldId="263"/>
-            <ac:spMk id="54" creationId="{CDC29AC1-2821-4FCC-B597-88DAF39C36FE}"/>
-          </ac:spMkLst>
-        </pc:spChg>
-        <pc:spChg chg="add del">
-          <ac:chgData name="Makenna Worley" userId="0027d683efa876b5" providerId="LiveId" clId="{B002D312-8F4D-F449-82D1-D52DD81DFEEA}" dt="2024-12-09T21:17:50.909" v="1027" actId="26606"/>
-          <ac:spMkLst>
-            <pc:docMk/>
-            <pc:sldMk cId="2550640258" sldId="263"/>
-            <ac:spMk id="56" creationId="{C8F10CB3-3B5E-4C7A-98CF-B87454DDFA39}"/>
-          </ac:spMkLst>
-        </pc:spChg>
-        <pc:picChg chg="add del mod ord">
-          <ac:chgData name="Makenna Worley" userId="0027d683efa876b5" providerId="LiveId" clId="{B002D312-8F4D-F449-82D1-D52DD81DFEEA}" dt="2024-12-09T21:14:39.040" v="965" actId="478"/>
-          <ac:picMkLst>
-            <pc:docMk/>
-            <pc:sldMk cId="2550640258" sldId="263"/>
-            <ac:picMk id="5" creationId="{2AA2AA76-6AAD-1741-299A-CA7EA388AD26}"/>
-          </ac:picMkLst>
-        </pc:picChg>
-        <pc:picChg chg="add del mod">
-          <ac:chgData name="Makenna Worley" userId="0027d683efa876b5" providerId="LiveId" clId="{B002D312-8F4D-F449-82D1-D52DD81DFEEA}" dt="2024-12-09T19:55:07.627" v="922" actId="478"/>
-          <ac:picMkLst>
-            <pc:docMk/>
-            <pc:sldMk cId="2550640258" sldId="263"/>
-            <ac:picMk id="7" creationId="{9642954A-00FE-7B57-5907-5D78A8190552}"/>
-          </ac:picMkLst>
-        </pc:picChg>
-        <pc:picChg chg="add del mod">
-          <ac:chgData name="Makenna Worley" userId="0027d683efa876b5" providerId="LiveId" clId="{B002D312-8F4D-F449-82D1-D52DD81DFEEA}" dt="2024-12-09T21:14:42.848" v="968" actId="478"/>
-          <ac:picMkLst>
-            <pc:docMk/>
-            <pc:sldMk cId="2550640258" sldId="263"/>
-            <ac:picMk id="9" creationId="{A566E621-7840-399C-F245-11712578B1A6}"/>
-          </ac:picMkLst>
-        </pc:picChg>
-        <pc:picChg chg="add mod">
-          <ac:chgData name="Makenna Worley" userId="0027d683efa876b5" providerId="LiveId" clId="{B002D312-8F4D-F449-82D1-D52DD81DFEEA}" dt="2024-12-09T19:55:57.506" v="937"/>
-          <ac:picMkLst>
-            <pc:docMk/>
-            <pc:sldMk cId="2550640258" sldId="263"/>
-            <ac:picMk id="11" creationId="{E02FE1FD-C558-3C0F-D31A-118AA9F43F54}"/>
-          </ac:picMkLst>
-        </pc:picChg>
-        <pc:picChg chg="add mod">
-          <ac:chgData name="Makenna Worley" userId="0027d683efa876b5" providerId="LiveId" clId="{B002D312-8F4D-F449-82D1-D52DD81DFEEA}" dt="2024-12-09T19:55:56.352" v="934" actId="1076"/>
-          <ac:picMkLst>
-            <pc:docMk/>
-            <pc:sldMk cId="2550640258" sldId="263"/>
-            <ac:picMk id="12" creationId="{F7F8E4EC-B49E-2DCD-F50B-A81BC1F5BB53}"/>
-          </ac:picMkLst>
-        </pc:picChg>
-        <pc:picChg chg="add del mod">
-          <ac:chgData name="Makenna Worley" userId="0027d683efa876b5" providerId="LiveId" clId="{B002D312-8F4D-F449-82D1-D52DD81DFEEA}" dt="2024-12-09T21:14:40.700" v="967" actId="478"/>
-          <ac:picMkLst>
-            <pc:docMk/>
-            <pc:sldMk cId="2550640258" sldId="263"/>
-            <ac:picMk id="14" creationId="{1214DB77-8694-9A67-BF64-57F7CB0595D8}"/>
-          </ac:picMkLst>
-        </pc:picChg>
-        <pc:picChg chg="add del mod">
-          <ac:chgData name="Makenna Worley" userId="0027d683efa876b5" providerId="LiveId" clId="{B002D312-8F4D-F449-82D1-D52DD81DFEEA}" dt="2024-12-09T21:16:20.046" v="999" actId="478"/>
-          <ac:picMkLst>
-            <pc:docMk/>
-            <pc:sldMk cId="2550640258" sldId="263"/>
-            <ac:picMk id="20" creationId="{D3CC5ADB-DFDF-02A5-922F-C827014423EF}"/>
-          </ac:picMkLst>
-        </pc:picChg>
-        <pc:picChg chg="add del mod">
-          <ac:chgData name="Makenna Worley" userId="0027d683efa876b5" providerId="LiveId" clId="{B002D312-8F4D-F449-82D1-D52DD81DFEEA}" dt="2024-12-09T21:16:19.358" v="997" actId="478"/>
-          <ac:picMkLst>
-            <pc:docMk/>
-            <pc:sldMk cId="2550640258" sldId="263"/>
-            <ac:picMk id="22" creationId="{9F702BEA-FE64-5586-DD9E-F5C8DB1C3E03}"/>
-          </ac:picMkLst>
-        </pc:picChg>
-        <pc:picChg chg="add del mod">
-          <ac:chgData name="Makenna Worley" userId="0027d683efa876b5" providerId="LiveId" clId="{B002D312-8F4D-F449-82D1-D52DD81DFEEA}" dt="2024-12-09T21:16:18.644" v="993" actId="478"/>
-          <ac:picMkLst>
-            <pc:docMk/>
-            <pc:sldMk cId="2550640258" sldId="263"/>
-            <ac:picMk id="25" creationId="{C9488F8A-AEA0-04FE-199B-1DB76E296314}"/>
-          </ac:picMkLst>
-        </pc:picChg>
-        <pc:picChg chg="add del mod">
-          <ac:chgData name="Makenna Worley" userId="0027d683efa876b5" providerId="LiveId" clId="{B002D312-8F4D-F449-82D1-D52DD81DFEEA}" dt="2024-12-09T21:16:17.958" v="992" actId="478"/>
-          <ac:picMkLst>
-            <pc:docMk/>
-            <pc:sldMk cId="2550640258" sldId="263"/>
-            <ac:picMk id="27" creationId="{E9A9E795-FB89-3B71-92CD-79E5805974E4}"/>
-          </ac:picMkLst>
-        </pc:picChg>
-        <pc:picChg chg="add del mod">
-          <ac:chgData name="Makenna Worley" userId="0027d683efa876b5" providerId="LiveId" clId="{B002D312-8F4D-F449-82D1-D52DD81DFEEA}" dt="2024-12-09T21:16:17.129" v="990" actId="478"/>
-          <ac:picMkLst>
-            <pc:docMk/>
-            <pc:sldMk cId="2550640258" sldId="263"/>
-            <ac:picMk id="29" creationId="{8BFE3568-82B6-9048-2886-09D4E023E6D9}"/>
-          </ac:picMkLst>
-        </pc:picChg>
-        <pc:picChg chg="add del mod ord">
-          <ac:chgData name="Makenna Worley" userId="0027d683efa876b5" providerId="LiveId" clId="{B002D312-8F4D-F449-82D1-D52DD81DFEEA}" dt="2024-12-09T21:16:24.725" v="1001" actId="34307"/>
-          <ac:picMkLst>
-            <pc:docMk/>
-            <pc:sldMk cId="2550640258" sldId="263"/>
-            <ac:picMk id="33" creationId="{2C0D0451-AC38-6A5D-7D95-EECA491F7CCC}"/>
-          </ac:picMkLst>
-        </pc:picChg>
         <pc:picChg chg="add mod ord modCrop">
           <ac:chgData name="Makenna Worley" userId="0027d683efa876b5" providerId="LiveId" clId="{B002D312-8F4D-F449-82D1-D52DD81DFEEA}" dt="2024-12-10T03:56:49.970" v="1900" actId="14100"/>
           <ac:picMkLst>
@@ -830,14 +638,6 @@
             <ac:picMk id="39" creationId="{2001298F-91A4-E2B5-5A51-0D30DE49E268}"/>
           </ac:picMkLst>
         </pc:picChg>
-        <pc:picChg chg="add del mod">
-          <ac:chgData name="Makenna Worley" userId="0027d683efa876b5" providerId="LiveId" clId="{B002D312-8F4D-F449-82D1-D52DD81DFEEA}" dt="2024-12-09T22:35:42.398" v="1266" actId="478"/>
-          <ac:picMkLst>
-            <pc:docMk/>
-            <pc:sldMk cId="2550640258" sldId="263"/>
-            <ac:picMk id="41" creationId="{C71B3796-6C50-2602-7368-5C8A4BA95D35}"/>
-          </ac:picMkLst>
-        </pc:picChg>
         <pc:picChg chg="add mod ord modCrop">
           <ac:chgData name="Makenna Worley" userId="0027d683efa876b5" providerId="LiveId" clId="{B002D312-8F4D-F449-82D1-D52DD81DFEEA}" dt="2024-12-10T03:56:37.635" v="1899" actId="26606"/>
           <ac:picMkLst>
@@ -848,7 +648,7 @@
         </pc:picChg>
       </pc:sldChg>
       <pc:sldChg chg="addSp delSp modSp new mod ord setBg setClrOvrMap">
-        <pc:chgData name="Makenna Worley" userId="0027d683efa876b5" providerId="LiveId" clId="{B002D312-8F4D-F449-82D1-D52DD81DFEEA}" dt="2024-12-10T04:11:08.698" v="2028" actId="1076"/>
+        <pc:chgData name="Makenna Worley" userId="0027d683efa876b5" providerId="LiveId" clId="{B002D312-8F4D-F449-82D1-D52DD81DFEEA}" dt="2024-12-11T03:36:13.467" v="2140" actId="20577"/>
         <pc:sldMkLst>
           <pc:docMk/>
           <pc:sldMk cId="1288538483" sldId="264"/>
@@ -859,14 +659,6 @@
             <pc:docMk/>
             <pc:sldMk cId="1288538483" sldId="264"/>
             <ac:spMk id="2" creationId="{B9D7B013-708A-58F6-6A8C-81965FDF4C83}"/>
-          </ac:spMkLst>
-        </pc:spChg>
-        <pc:spChg chg="del">
-          <ac:chgData name="Makenna Worley" userId="0027d683efa876b5" providerId="LiveId" clId="{B002D312-8F4D-F449-82D1-D52DD81DFEEA}" dt="2024-12-09T19:57:07.612" v="956"/>
-          <ac:spMkLst>
-            <pc:docMk/>
-            <pc:sldMk cId="1288538483" sldId="264"/>
-            <ac:spMk id="3" creationId="{FE13DA70-AA2E-3FC1-5F19-4936E3211DBC}"/>
           </ac:spMkLst>
         </pc:spChg>
         <pc:spChg chg="add del mod">
@@ -894,7 +686,7 @@
           </ac:spMkLst>
         </pc:spChg>
         <pc:spChg chg="add mod">
-          <ac:chgData name="Makenna Worley" userId="0027d683efa876b5" providerId="LiveId" clId="{B002D312-8F4D-F449-82D1-D52DD81DFEEA}" dt="2024-12-10T04:10:31.957" v="2022" actId="26606"/>
+          <ac:chgData name="Makenna Worley" userId="0027d683efa876b5" providerId="LiveId" clId="{B002D312-8F4D-F449-82D1-D52DD81DFEEA}" dt="2024-12-11T03:36:13.467" v="2140" actId="20577"/>
           <ac:spMkLst>
             <pc:docMk/>
             <pc:sldMk cId="1288538483" sldId="264"/>
@@ -957,30 +749,6 @@
             <ac:spMk id="39" creationId="{0059B5C0-FEC8-4370-AF45-02E3AEF6FA6D}"/>
           </ac:spMkLst>
         </pc:spChg>
-        <pc:picChg chg="add del mod">
-          <ac:chgData name="Makenna Worley" userId="0027d683efa876b5" providerId="LiveId" clId="{B002D312-8F4D-F449-82D1-D52DD81DFEEA}" dt="2024-12-09T22:35:34.417" v="1263" actId="478"/>
-          <ac:picMkLst>
-            <pc:docMk/>
-            <pc:sldMk cId="1288538483" sldId="264"/>
-            <ac:picMk id="5" creationId="{1C5C3A15-6BAE-B476-6910-F2F6E073962F}"/>
-          </ac:picMkLst>
-        </pc:picChg>
-        <pc:picChg chg="add del mod">
-          <ac:chgData name="Makenna Worley" userId="0027d683efa876b5" providerId="LiveId" clId="{B002D312-8F4D-F449-82D1-D52DD81DFEEA}" dt="2024-12-09T22:35:32.345" v="1262" actId="478"/>
-          <ac:picMkLst>
-            <pc:docMk/>
-            <pc:sldMk cId="1288538483" sldId="264"/>
-            <ac:picMk id="7" creationId="{3A2574A0-3FB8-07D2-F8D0-DA14A7301140}"/>
-          </ac:picMkLst>
-        </pc:picChg>
-        <pc:picChg chg="add del mod">
-          <ac:chgData name="Makenna Worley" userId="0027d683efa876b5" providerId="LiveId" clId="{B002D312-8F4D-F449-82D1-D52DD81DFEEA}" dt="2024-12-09T22:35:31.094" v="1261" actId="478"/>
-          <ac:picMkLst>
-            <pc:docMk/>
-            <pc:sldMk cId="1288538483" sldId="264"/>
-            <ac:picMk id="9" creationId="{0A48429B-F134-F966-80E2-81CE90561D92}"/>
-          </ac:picMkLst>
-        </pc:picChg>
         <pc:picChg chg="add mod modCrop">
           <ac:chgData name="Makenna Worley" userId="0027d683efa876b5" providerId="LiveId" clId="{B002D312-8F4D-F449-82D1-D52DD81DFEEA}" dt="2024-12-10T04:10:52.387" v="2025" actId="1076"/>
           <ac:picMkLst>
@@ -1036,14 +804,6 @@
           <pc:docMk/>
           <pc:sldMk cId="3415935947" sldId="265"/>
         </pc:sldMkLst>
-        <pc:spChg chg="mod">
-          <ac:chgData name="Makenna Worley" userId="0027d683efa876b5" providerId="LiveId" clId="{B002D312-8F4D-F449-82D1-D52DD81DFEEA}" dt="2024-12-09T18:16:51.660" v="637" actId="20577"/>
-          <ac:spMkLst>
-            <pc:docMk/>
-            <pc:sldMk cId="3415935947" sldId="265"/>
-            <ac:spMk id="2" creationId="{918EB034-4B38-B451-0F8A-5F238B0E09BA}"/>
-          </ac:spMkLst>
-        </pc:spChg>
       </pc:sldChg>
       <pc:sldChg chg="addSp delSp modSp new mod ord setBg">
         <pc:chgData name="Makenna Worley" userId="0027d683efa876b5" providerId="LiveId" clId="{B002D312-8F4D-F449-82D1-D52DD81DFEEA}" dt="2024-12-10T03:59:38.292" v="1932" actId="12100"/>
@@ -1065,22 +825,6 @@
             <pc:docMk/>
             <pc:sldMk cId="2512944704" sldId="266"/>
             <ac:spMk id="3" creationId="{EA9C41E0-FD08-8C00-9C53-9EA41D38B8A7}"/>
-          </ac:spMkLst>
-        </pc:spChg>
-        <pc:spChg chg="add del mod">
-          <ac:chgData name="Makenna Worley" userId="0027d683efa876b5" providerId="LiveId" clId="{B002D312-8F4D-F449-82D1-D52DD81DFEEA}" dt="2024-12-09T18:21:20.027" v="858"/>
-          <ac:spMkLst>
-            <pc:docMk/>
-            <pc:sldMk cId="2512944704" sldId="266"/>
-            <ac:spMk id="4" creationId="{7295EE16-64A7-21F8-999D-1EFFFE3D5F6F}"/>
-          </ac:spMkLst>
-        </pc:spChg>
-        <pc:spChg chg="add del mod">
-          <ac:chgData name="Makenna Worley" userId="0027d683efa876b5" providerId="LiveId" clId="{B002D312-8F4D-F449-82D1-D52DD81DFEEA}" dt="2024-12-09T22:32:33.609" v="1260"/>
-          <ac:spMkLst>
-            <pc:docMk/>
-            <pc:sldMk cId="2512944704" sldId="266"/>
-            <ac:spMk id="5" creationId="{EEA8F155-DFD4-971F-63A9-548681364022}"/>
           </ac:spMkLst>
         </pc:spChg>
         <pc:spChg chg="add del">
@@ -11420,7 +11164,7 @@
           <a:p>
             <a:fld id="{9F0A5B34-2FE3-9B41-B85E-D6E366D87222}" type="datetimeFigureOut">
               <a:rPr lang="en-US" smtClean="0"/>
-              <a:t>12/9/24</a:t>
+              <a:t>12/10/24</a:t>
             </a:fld>
             <a:endParaRPr lang="en-US"/>
           </a:p>
@@ -11950,7 +11694,7 @@
           <a:p>
             <a:fld id="{5BCAD085-E8A6-8845-BD4E-CB4CCA059FC4}" type="datetimeFigureOut">
               <a:rPr lang="en-US" smtClean="0"/>
-              <a:t>12/9/24</a:t>
+              <a:t>12/10/24</a:t>
             </a:fld>
             <a:endParaRPr lang="en-US"/>
           </a:p>
@@ -12118,7 +11862,7 @@
           <a:p>
             <a:fld id="{5BCAD085-E8A6-8845-BD4E-CB4CCA059FC4}" type="datetimeFigureOut">
               <a:rPr lang="en-US" smtClean="0"/>
-              <a:t>12/9/24</a:t>
+              <a:t>12/10/24</a:t>
             </a:fld>
             <a:endParaRPr lang="en-US"/>
           </a:p>
@@ -12296,7 +12040,7 @@
           <a:p>
             <a:fld id="{5BCAD085-E8A6-8845-BD4E-CB4CCA059FC4}" type="datetimeFigureOut">
               <a:rPr lang="en-US" smtClean="0"/>
-              <a:t>12/9/24</a:t>
+              <a:t>12/10/24</a:t>
             </a:fld>
             <a:endParaRPr lang="en-US"/>
           </a:p>
@@ -12464,7 +12208,7 @@
           <a:p>
             <a:fld id="{5BCAD085-E8A6-8845-BD4E-CB4CCA059FC4}" type="datetimeFigureOut">
               <a:rPr lang="en-US" smtClean="0"/>
-              <a:t>12/9/24</a:t>
+              <a:t>12/10/24</a:t>
             </a:fld>
             <a:endParaRPr lang="en-US"/>
           </a:p>
@@ -12709,7 +12453,7 @@
           <a:p>
             <a:fld id="{5BCAD085-E8A6-8845-BD4E-CB4CCA059FC4}" type="datetimeFigureOut">
               <a:rPr lang="en-US" smtClean="0"/>
-              <a:t>12/9/24</a:t>
+              <a:t>12/10/24</a:t>
             </a:fld>
             <a:endParaRPr lang="en-US"/>
           </a:p>
@@ -12994,7 +12738,7 @@
           <a:p>
             <a:fld id="{5BCAD085-E8A6-8845-BD4E-CB4CCA059FC4}" type="datetimeFigureOut">
               <a:rPr lang="en-US" smtClean="0"/>
-              <a:t>12/9/24</a:t>
+              <a:t>12/10/24</a:t>
             </a:fld>
             <a:endParaRPr lang="en-US"/>
           </a:p>
@@ -13413,7 +13157,7 @@
           <a:p>
             <a:fld id="{5BCAD085-E8A6-8845-BD4E-CB4CCA059FC4}" type="datetimeFigureOut">
               <a:rPr lang="en-US" smtClean="0"/>
-              <a:t>12/9/24</a:t>
+              <a:t>12/10/24</a:t>
             </a:fld>
             <a:endParaRPr lang="en-US"/>
           </a:p>
@@ -13530,7 +13274,7 @@
           <a:p>
             <a:fld id="{5BCAD085-E8A6-8845-BD4E-CB4CCA059FC4}" type="datetimeFigureOut">
               <a:rPr lang="en-US" smtClean="0"/>
-              <a:t>12/9/24</a:t>
+              <a:t>12/10/24</a:t>
             </a:fld>
             <a:endParaRPr lang="en-US"/>
           </a:p>
@@ -13625,7 +13369,7 @@
           <a:p>
             <a:fld id="{5BCAD085-E8A6-8845-BD4E-CB4CCA059FC4}" type="datetimeFigureOut">
               <a:rPr lang="en-US" smtClean="0"/>
-              <a:t>12/9/24</a:t>
+              <a:t>12/10/24</a:t>
             </a:fld>
             <a:endParaRPr lang="en-US"/>
           </a:p>
@@ -13900,7 +13644,7 @@
           <a:p>
             <a:fld id="{5BCAD085-E8A6-8845-BD4E-CB4CCA059FC4}" type="datetimeFigureOut">
               <a:rPr lang="en-US" smtClean="0"/>
-              <a:t>12/9/24</a:t>
+              <a:t>12/10/24</a:t>
             </a:fld>
             <a:endParaRPr lang="en-US"/>
           </a:p>
@@ -14152,7 +13896,7 @@
           <a:p>
             <a:fld id="{5BCAD085-E8A6-8845-BD4E-CB4CCA059FC4}" type="datetimeFigureOut">
               <a:rPr lang="en-US" smtClean="0"/>
-              <a:t>12/9/24</a:t>
+              <a:t>12/10/24</a:t>
             </a:fld>
             <a:endParaRPr lang="en-US"/>
           </a:p>
@@ -14363,7 +14107,7 @@
           <a:p>
             <a:fld id="{5BCAD085-E8A6-8845-BD4E-CB4CCA059FC4}" type="datetimeFigureOut">
               <a:rPr lang="en-US" smtClean="0"/>
-              <a:t>12/9/24</a:t>
+              <a:t>12/10/24</a:t>
             </a:fld>
             <a:endParaRPr lang="en-US"/>
           </a:p>
@@ -18324,13 +18068,13 @@
         </p:nvSpPr>
         <p:spPr>
           <a:xfrm>
-            <a:off x="473202" y="2807167"/>
-            <a:ext cx="2921641" cy="3386399"/>
+            <a:off x="473203" y="2807167"/>
+            <a:ext cx="2756802" cy="3386399"/>
           </a:xfrm>
         </p:spPr>
         <p:txBody>
           <a:bodyPr>
-            <a:normAutofit/>
+            <a:normAutofit lnSpcReduction="10000"/>
           </a:bodyPr>
           <a:lstStyle/>
           <a:p>
@@ -18341,8 +18085,8 @@
               <a:buNone/>
             </a:pPr>
             <a:r>
-              <a:rPr lang="en-US" sz="1900"/>
-              <a:t>5203 cities and 20 cities make up the hull</a:t>
+              <a:rPr lang="en-US" sz="1900" dirty="0"/>
+              <a:t>5,203 cities and 20 cities make up the hull</a:t>
             </a:r>
           </a:p>
           <a:p>
@@ -18352,8 +18096,8 @@
               </a:lnSpc>
             </a:pPr>
             <a:r>
-              <a:rPr lang="en-US" sz="1900"/>
-              <a:t>Brute force with slope: 745.612656 seconds</a:t>
+              <a:rPr lang="en-US" sz="1900" dirty="0"/>
+              <a:t>Brute force with slope: 12 minutes 26 seconds</a:t>
             </a:r>
           </a:p>
           <a:p>
@@ -18363,8 +18107,8 @@
               </a:lnSpc>
             </a:pPr>
             <a:r>
-              <a:rPr lang="en-US" sz="1900"/>
-              <a:t>Brute force with determinant: 1040.609541 seconds</a:t>
+              <a:rPr lang="en-US" sz="1900" dirty="0"/>
+              <a:t>Brute force with determinant: 17 minutes 21 seconds</a:t>
             </a:r>
           </a:p>
           <a:p>
@@ -18374,9 +18118,14 @@
               </a:lnSpc>
             </a:pPr>
             <a:r>
+              <a:rPr lang="en-US" sz="1900" dirty="0"/>
+              <a:t>Quick Hull: </a:t>
+            </a:r>
+            <a:r>
               <a:rPr lang="en-US" sz="1900"/>
-              <a:t>Quick Hull: 0.718703 seconds</a:t>
+              <a:t>0.72 second</a:t>
             </a:r>
+            <a:endParaRPr lang="en-US" sz="1900" dirty="0"/>
           </a:p>
           <a:p>
             <a:pPr>
@@ -18385,8 +18134,8 @@
               </a:lnSpc>
             </a:pPr>
             <a:r>
-              <a:rPr lang="en-US" sz="1900"/>
-              <a:t>Merge Hull (buggy): 1.059301 seconds</a:t>
+              <a:rPr lang="en-US" sz="1900" dirty="0"/>
+              <a:t>Merge Hull (buggy): 1.06 seconds</a:t>
             </a:r>
           </a:p>
         </p:txBody>
@@ -19317,12 +19066,12 @@
               <a:buChar char="•"/>
             </a:pPr>
             <a:r>
-              <a:rPr lang="en-US" sz="1600">
+              <a:rPr lang="en-US" sz="1600" dirty="0">
                 <a:solidFill>
                   <a:srgbClr val="FFFFFF"/>
                 </a:solidFill>
               </a:rPr>
-              <a:t>5203 cities and 20 cities make up the hull</a:t>
+              <a:t>7,102 cities and 15 cities make up the hull</a:t>
             </a:r>
           </a:p>
           <a:p>
@@ -19334,12 +19083,12 @@
               <a:buChar char="•"/>
             </a:pPr>
             <a:r>
-              <a:rPr lang="en-US" sz="1600">
+              <a:rPr lang="en-US" sz="1600" dirty="0">
                 <a:solidFill>
                   <a:srgbClr val="FFFFFF"/>
                 </a:solidFill>
               </a:rPr>
-              <a:t>Brute force with slope: 745.612656 seconds</a:t>
+              <a:t>Brute force with slope: 57 minutes 52 seconds</a:t>
             </a:r>
           </a:p>
           <a:p>
@@ -19351,12 +19100,12 @@
               <a:buChar char="•"/>
             </a:pPr>
             <a:r>
-              <a:rPr lang="en-US" sz="1600">
+              <a:rPr lang="en-US" sz="1600" dirty="0">
                 <a:solidFill>
                   <a:srgbClr val="FFFFFF"/>
                 </a:solidFill>
               </a:rPr>
-              <a:t>Brute force with determinant: 1040.609541 seconds</a:t>
+              <a:t>Brute force with determinant: 1 hour 56 seconds</a:t>
             </a:r>
           </a:p>
           <a:p>
@@ -19368,12 +19117,12 @@
               <a:buChar char="•"/>
             </a:pPr>
             <a:r>
-              <a:rPr lang="en-US" sz="1600">
+              <a:rPr lang="en-US" sz="1600" dirty="0">
                 <a:solidFill>
                   <a:srgbClr val="FFFFFF"/>
                 </a:solidFill>
               </a:rPr>
-              <a:t>Quick Hull: 0.718703 seconds</a:t>
+              <a:t>Quick Hull: 0.78 second</a:t>
             </a:r>
           </a:p>
           <a:p>
@@ -19385,12 +19134,12 @@
               <a:buChar char="•"/>
             </a:pPr>
             <a:r>
-              <a:rPr lang="en-US" sz="1600">
+              <a:rPr lang="en-US" sz="1600" dirty="0">
                 <a:solidFill>
                   <a:srgbClr val="FFFFFF"/>
                 </a:solidFill>
               </a:rPr>
-              <a:t>Merge Hull (buggy): 1.059301 seconds</a:t>
+              <a:t>Merge Hull (buggy): 1.34 seconds</a:t>
             </a:r>
           </a:p>
         </p:txBody>
